--- a/Miscellaneous Items Needed/PowerPoint/Software Engineering Final Presentation.pptx
+++ b/Miscellaneous Items Needed/PowerPoint/Software Engineering Final Presentation.pptx
@@ -1302,7 +1302,7 @@
   <p:cSld>
     <p:spTree>
       <p:nvGrpSpPr>
-        <p:cNvPr id="430" name="Shape 430"/>
+        <p:cNvPr id="429" name="Shape 429"/>
         <p:cNvGrpSpPr/>
         <p:nvPr/>
       </p:nvGrpSpPr>
@@ -1316,7 +1316,7 @@
       </p:grpSpPr>
       <p:sp>
         <p:nvSpPr>
-          <p:cNvPr id="431" name="Google Shape;431;g34f48c8a348_0_728:notes"/>
+          <p:cNvPr id="430" name="Google Shape;430;g34f48c8a348_0_728:notes"/>
           <p:cNvSpPr/>
           <p:nvPr>
             <p:ph idx="2" type="sldImg"/>
@@ -1351,7 +1351,7 @@
       </p:sp>
       <p:sp>
         <p:nvSpPr>
-          <p:cNvPr id="432" name="Google Shape;432;g34f48c8a348_0_728:notes"/>
+          <p:cNvPr id="431" name="Google Shape;431;g34f48c8a348_0_728:notes"/>
           <p:cNvSpPr txBox="1"/>
           <p:nvPr>
             <p:ph idx="1" type="body"/>
@@ -1401,7 +1401,7 @@
   <p:cSld>
     <p:spTree>
       <p:nvGrpSpPr>
-        <p:cNvPr id="438" name="Shape 438"/>
+        <p:cNvPr id="437" name="Shape 437"/>
         <p:cNvGrpSpPr/>
         <p:nvPr/>
       </p:nvGrpSpPr>
@@ -1415,7 +1415,7 @@
       </p:grpSpPr>
       <p:sp>
         <p:nvSpPr>
-          <p:cNvPr id="439" name="Google Shape;439;g34f48c8a348_0_758:notes"/>
+          <p:cNvPr id="438" name="Google Shape;438;g34f48c8a348_0_758:notes"/>
           <p:cNvSpPr/>
           <p:nvPr>
             <p:ph idx="2" type="sldImg"/>
@@ -1450,7 +1450,7 @@
       </p:sp>
       <p:sp>
         <p:nvSpPr>
-          <p:cNvPr id="440" name="Google Shape;440;g34f48c8a348_0_758:notes"/>
+          <p:cNvPr id="439" name="Google Shape;439;g34f48c8a348_0_758:notes"/>
           <p:cNvSpPr txBox="1"/>
           <p:nvPr>
             <p:ph idx="1" type="body"/>
@@ -1500,7 +1500,7 @@
   <p:cSld>
     <p:spTree>
       <p:nvGrpSpPr>
-        <p:cNvPr id="446" name="Shape 446"/>
+        <p:cNvPr id="445" name="Shape 445"/>
         <p:cNvGrpSpPr/>
         <p:nvPr/>
       </p:nvGrpSpPr>
@@ -1514,7 +1514,7 @@
       </p:grpSpPr>
       <p:sp>
         <p:nvSpPr>
-          <p:cNvPr id="447" name="Google Shape;447;g34f48c8a348_0_750:notes"/>
+          <p:cNvPr id="446" name="Google Shape;446;g34f48c8a348_0_750:notes"/>
           <p:cNvSpPr/>
           <p:nvPr>
             <p:ph idx="2" type="sldImg"/>
@@ -1549,7 +1549,7 @@
       </p:sp>
       <p:sp>
         <p:nvSpPr>
-          <p:cNvPr id="448" name="Google Shape;448;g34f48c8a348_0_750:notes"/>
+          <p:cNvPr id="447" name="Google Shape;447;g34f48c8a348_0_750:notes"/>
           <p:cNvSpPr txBox="1"/>
           <p:nvPr>
             <p:ph idx="1" type="body"/>
@@ -1599,7 +1599,7 @@
   <p:cSld>
     <p:spTree>
       <p:nvGrpSpPr>
-        <p:cNvPr id="455" name="Shape 455"/>
+        <p:cNvPr id="454" name="Shape 454"/>
         <p:cNvGrpSpPr/>
         <p:nvPr/>
       </p:nvGrpSpPr>
@@ -1613,7 +1613,7 @@
       </p:grpSpPr>
       <p:sp>
         <p:nvSpPr>
-          <p:cNvPr id="456" name="Google Shape;456;g34f48c8a348_0_769:notes"/>
+          <p:cNvPr id="455" name="Google Shape;455;g34f48c8a348_0_769:notes"/>
           <p:cNvSpPr/>
           <p:nvPr>
             <p:ph idx="2" type="sldImg"/>
@@ -1648,7 +1648,7 @@
       </p:sp>
       <p:sp>
         <p:nvSpPr>
-          <p:cNvPr id="457" name="Google Shape;457;g34f48c8a348_0_769:notes"/>
+          <p:cNvPr id="456" name="Google Shape;456;g34f48c8a348_0_769:notes"/>
           <p:cNvSpPr txBox="1"/>
           <p:nvPr>
             <p:ph idx="1" type="body"/>
@@ -36535,64 +36535,6 @@
           </a:p>
         </p:txBody>
       </p:sp>
-      <p:sp>
-        <p:nvSpPr>
-          <p:cNvPr id="429" name="Google Shape;429;p66"/>
-          <p:cNvSpPr txBox="1"/>
-          <p:nvPr/>
-        </p:nvSpPr>
-        <p:spPr>
-          <a:xfrm>
-            <a:off x="5221950" y="1017800"/>
-            <a:ext cx="1242300" cy="403200"/>
-          </a:xfrm>
-          <a:prstGeom prst="rect">
-            <a:avLst/>
-          </a:prstGeom>
-          <a:noFill/>
-          <a:ln>
-            <a:noFill/>
-          </a:ln>
-        </p:spPr>
-        <p:txBody>
-          <a:bodyPr anchorCtr="0" anchor="t" bIns="91425" lIns="91425" spcFirstLastPara="1" rIns="91425" wrap="square" tIns="91425">
-            <a:noAutofit/>
-          </a:bodyPr>
-          <a:lstStyle/>
-          <a:p>
-            <a:pPr indent="0" lvl="0" marL="0" rtl="0" algn="l">
-              <a:spcBef>
-                <a:spcPts val="0"/>
-              </a:spcBef>
-              <a:spcAft>
-                <a:spcPts val="0"/>
-              </a:spcAft>
-              <a:buNone/>
-            </a:pPr>
-            <a:r>
-              <a:rPr lang="en" sz="900">
-                <a:solidFill>
-                  <a:schemeClr val="dk1"/>
-                </a:solidFill>
-                <a:latin typeface="Gowun Batang"/>
-                <a:ea typeface="Gowun Batang"/>
-                <a:cs typeface="Gowun Batang"/>
-                <a:sym typeface="Gowun Batang"/>
-              </a:rPr>
-              <a:t>Add video here</a:t>
-            </a:r>
-            <a:endParaRPr sz="900">
-              <a:solidFill>
-                <a:schemeClr val="dk1"/>
-              </a:solidFill>
-              <a:latin typeface="Gowun Batang"/>
-              <a:ea typeface="Gowun Batang"/>
-              <a:cs typeface="Gowun Batang"/>
-              <a:sym typeface="Gowun Batang"/>
-            </a:endParaRPr>
-          </a:p>
-        </p:txBody>
-      </p:sp>
     </p:spTree>
   </p:cSld>
   <p:clrMapOvr>
@@ -36606,7 +36548,7 @@
   <p:cSld>
     <p:spTree>
       <p:nvGrpSpPr>
-        <p:cNvPr id="433" name="Shape 433"/>
+        <p:cNvPr id="432" name="Shape 432"/>
         <p:cNvGrpSpPr/>
         <p:nvPr/>
       </p:nvGrpSpPr>
@@ -36620,7 +36562,7 @@
       </p:grpSpPr>
       <p:sp>
         <p:nvSpPr>
-          <p:cNvPr id="434" name="Google Shape;434;p67"/>
+          <p:cNvPr id="433" name="Google Shape;433;p67"/>
           <p:cNvSpPr txBox="1"/>
           <p:nvPr>
             <p:ph idx="12" type="sldNum"/>
@@ -36660,7 +36602,7 @@
       </p:sp>
       <p:sp>
         <p:nvSpPr>
-          <p:cNvPr id="435" name="Google Shape;435;p67"/>
+          <p:cNvPr id="434" name="Google Shape;434;p67"/>
           <p:cNvSpPr txBox="1"/>
           <p:nvPr>
             <p:ph type="title"/>
@@ -36734,7 +36676,7 @@
       </p:sp>
       <p:sp>
         <p:nvSpPr>
-          <p:cNvPr id="436" name="Google Shape;436;p67"/>
+          <p:cNvPr id="435" name="Google Shape;435;p67"/>
           <p:cNvSpPr txBox="1"/>
           <p:nvPr/>
         </p:nvSpPr>
@@ -37137,7 +37079,7 @@
       </p:sp>
       <p:pic>
         <p:nvPicPr>
-          <p:cNvPr id="437" name="Google Shape;437;p67" title=" 2025-04-21 14-45-42.mp4">
+          <p:cNvPr id="436" name="Google Shape;436;p67" title=" 2025-04-21 14-45-42.mp4">
             <a:hlinkClick r:id="rId3"/>
           </p:cNvPr>
           <p:cNvPicPr preferRelativeResize="0"/>
@@ -37214,7 +37156,7 @@
                                           </p:stCondLst>
                                         </p:cTn>
                                         <p:tgtEl>
-                                          <p:spTgt spid="437"/>
+                                          <p:spTgt spid="436"/>
                                         </p:tgtEl>
                                         <p:attrNameLst>
                                           <p:attrName>style.visibility</p:attrName>
@@ -37228,7 +37170,7 @@
                                       <p:cBhvr>
                                         <p:cTn dur="1000"/>
                                         <p:tgtEl>
-                                          <p:spTgt spid="437"/>
+                                          <p:spTgt spid="436"/>
                                         </p:tgtEl>
                                       </p:cBhvr>
                                     </p:animEffect>
@@ -37271,7 +37213,7 @@
   <p:cSld>
     <p:spTree>
       <p:nvGrpSpPr>
-        <p:cNvPr id="441" name="Shape 441"/>
+        <p:cNvPr id="440" name="Shape 440"/>
         <p:cNvGrpSpPr/>
         <p:nvPr/>
       </p:nvGrpSpPr>
@@ -37285,7 +37227,7 @@
       </p:grpSpPr>
       <p:sp>
         <p:nvSpPr>
-          <p:cNvPr id="442" name="Google Shape;442;p68"/>
+          <p:cNvPr id="441" name="Google Shape;441;p68"/>
           <p:cNvSpPr txBox="1"/>
           <p:nvPr>
             <p:ph idx="12" type="sldNum"/>
@@ -37325,7 +37267,7 @@
       </p:sp>
       <p:sp>
         <p:nvSpPr>
-          <p:cNvPr id="443" name="Google Shape;443;p68"/>
+          <p:cNvPr id="442" name="Google Shape;442;p68"/>
           <p:cNvSpPr txBox="1"/>
           <p:nvPr>
             <p:ph type="title"/>
@@ -37399,7 +37341,7 @@
       </p:sp>
       <p:sp>
         <p:nvSpPr>
-          <p:cNvPr id="444" name="Google Shape;444;p68"/>
+          <p:cNvPr id="443" name="Google Shape;443;p68"/>
           <p:cNvSpPr txBox="1"/>
           <p:nvPr/>
         </p:nvSpPr>
@@ -37701,7 +37643,7 @@
       </p:sp>
       <p:pic>
         <p:nvPicPr>
-          <p:cNvPr id="445" name="Google Shape;445;p68" title=" 2025-04-21 15-07-11.mp4">
+          <p:cNvPr id="444" name="Google Shape;444;p68" title=" 2025-04-21 15-07-11.mp4">
             <a:hlinkClick r:id="rId3"/>
           </p:cNvPr>
           <p:cNvPicPr preferRelativeResize="0"/>
@@ -37717,8 +37659,8 @@
         </p:blipFill>
         <p:spPr>
           <a:xfrm>
-            <a:off x="4021150" y="1280625"/>
-            <a:ext cx="4818051" cy="2758723"/>
+            <a:off x="4504550" y="1280625"/>
+            <a:ext cx="4334648" cy="2758725"/>
           </a:xfrm>
           <a:prstGeom prst="rect">
             <a:avLst/>
@@ -37778,7 +37720,7 @@
                                           </p:stCondLst>
                                         </p:cTn>
                                         <p:tgtEl>
-                                          <p:spTgt spid="445"/>
+                                          <p:spTgt spid="444"/>
                                         </p:tgtEl>
                                         <p:attrNameLst>
                                           <p:attrName>style.visibility</p:attrName>
@@ -37792,7 +37734,7 @@
                                       <p:cBhvr>
                                         <p:cTn dur="1000"/>
                                         <p:tgtEl>
-                                          <p:spTgt spid="445"/>
+                                          <p:spTgt spid="444"/>
                                         </p:tgtEl>
                                       </p:cBhvr>
                                     </p:animEffect>
@@ -37835,7 +37777,7 @@
   <p:cSld>
     <p:spTree>
       <p:nvGrpSpPr>
-        <p:cNvPr id="449" name="Shape 449"/>
+        <p:cNvPr id="448" name="Shape 448"/>
         <p:cNvGrpSpPr/>
         <p:nvPr/>
       </p:nvGrpSpPr>
@@ -37849,7 +37791,7 @@
       </p:grpSpPr>
       <p:sp>
         <p:nvSpPr>
-          <p:cNvPr id="450" name="Google Shape;450;p69"/>
+          <p:cNvPr id="449" name="Google Shape;449;p69"/>
           <p:cNvSpPr txBox="1"/>
           <p:nvPr>
             <p:ph idx="12" type="sldNum"/>
@@ -37889,7 +37831,7 @@
       </p:sp>
       <p:sp>
         <p:nvSpPr>
-          <p:cNvPr id="451" name="Google Shape;451;p69"/>
+          <p:cNvPr id="450" name="Google Shape;450;p69"/>
           <p:cNvSpPr txBox="1"/>
           <p:nvPr>
             <p:ph type="title"/>
@@ -37963,7 +37905,7 @@
       </p:sp>
       <p:sp>
         <p:nvSpPr>
-          <p:cNvPr id="452" name="Google Shape;452;p69"/>
+          <p:cNvPr id="451" name="Google Shape;451;p69"/>
           <p:cNvSpPr txBox="1"/>
           <p:nvPr/>
         </p:nvSpPr>
@@ -38339,7 +38281,7 @@
       </p:sp>
       <p:sp>
         <p:nvSpPr>
-          <p:cNvPr id="453" name="Google Shape;453;p69"/>
+          <p:cNvPr id="452" name="Google Shape;452;p69"/>
           <p:cNvSpPr txBox="1"/>
           <p:nvPr/>
         </p:nvSpPr>
@@ -38397,7 +38339,7 @@
       </p:sp>
       <p:pic>
         <p:nvPicPr>
-          <p:cNvPr id="454" name="Google Shape;454;p69" title=" 2025-04-21 15-23-36.mp4">
+          <p:cNvPr id="453" name="Google Shape;453;p69" title=" 2025-04-21 15-23-36.mp4">
             <a:hlinkClick r:id="rId3"/>
           </p:cNvPr>
           <p:cNvPicPr preferRelativeResize="0"/>
@@ -38474,7 +38416,7 @@
                                           </p:stCondLst>
                                         </p:cTn>
                                         <p:tgtEl>
-                                          <p:spTgt spid="454"/>
+                                          <p:spTgt spid="453"/>
                                         </p:tgtEl>
                                         <p:attrNameLst>
                                           <p:attrName>style.visibility</p:attrName>
@@ -38488,7 +38430,7 @@
                                       <p:cBhvr>
                                         <p:cTn dur="1000"/>
                                         <p:tgtEl>
-                                          <p:spTgt spid="454"/>
+                                          <p:spTgt spid="453"/>
                                         </p:tgtEl>
                                       </p:cBhvr>
                                     </p:animEffect>
@@ -38531,7 +38473,7 @@
   <p:cSld>
     <p:spTree>
       <p:nvGrpSpPr>
-        <p:cNvPr id="458" name="Shape 458"/>
+        <p:cNvPr id="457" name="Shape 457"/>
         <p:cNvGrpSpPr/>
         <p:nvPr/>
       </p:nvGrpSpPr>
@@ -38545,7 +38487,7 @@
       </p:grpSpPr>
       <p:sp>
         <p:nvSpPr>
-          <p:cNvPr id="459" name="Google Shape;459;p70"/>
+          <p:cNvPr id="458" name="Google Shape;458;p70"/>
           <p:cNvSpPr txBox="1"/>
           <p:nvPr>
             <p:ph type="title"/>
@@ -38581,7 +38523,7 @@
             </a:r>
             <a:r>
               <a:rPr lang="en"/>
-              <a:t> Class Diagram</a:t>
+              <a:t> Class and Use Case Diagrams</a:t>
             </a:r>
             <a:endParaRPr/>
           </a:p>
@@ -38589,7 +38531,7 @@
       </p:sp>
       <p:sp>
         <p:nvSpPr>
-          <p:cNvPr id="460" name="Google Shape;460;p70"/>
+          <p:cNvPr id="459" name="Google Shape;459;p70"/>
           <p:cNvSpPr txBox="1"/>
           <p:nvPr>
             <p:ph idx="12" type="sldNum"/>
@@ -38629,7 +38571,7 @@
       </p:sp>
       <p:pic>
         <p:nvPicPr>
-          <p:cNvPr id="461" name="Google Shape;461;p70" title="Class_Diagram.png"/>
+          <p:cNvPr id="460" name="Google Shape;460;p70" title="Class_Diagram.png"/>
           <p:cNvPicPr preferRelativeResize="0"/>
           <p:nvPr/>
         </p:nvPicPr>
@@ -38643,8 +38585,35 @@
         </p:blipFill>
         <p:spPr>
           <a:xfrm>
-            <a:off x="483600" y="1014400"/>
-            <a:ext cx="7524750" cy="3114675"/>
+            <a:off x="4572010" y="1804388"/>
+            <a:ext cx="4249916" cy="1759137"/>
+          </a:xfrm>
+          <a:prstGeom prst="rect">
+            <a:avLst/>
+          </a:prstGeom>
+          <a:noFill/>
+          <a:ln>
+            <a:noFill/>
+          </a:ln>
+        </p:spPr>
+      </p:pic>
+      <p:pic>
+        <p:nvPicPr>
+          <p:cNvPr id="461" name="Google Shape;461;p70" title="Class_Diagram.PNG"/>
+          <p:cNvPicPr preferRelativeResize="0"/>
+          <p:nvPr/>
+        </p:nvPicPr>
+        <p:blipFill rotWithShape="1">
+          <a:blip r:embed="rId4">
+            <a:alphaModFix/>
+          </a:blip>
+          <a:srcRect b="0" l="67113" r="0" t="43278"/>
+          <a:stretch/>
+        </p:blipFill>
+        <p:spPr>
+          <a:xfrm>
+            <a:off x="851000" y="908003"/>
+            <a:ext cx="2868324" cy="3713800"/>
           </a:xfrm>
           <a:prstGeom prst="rect">
             <a:avLst/>
@@ -38664,9 +38633,9 @@
 </file>
 
 <file path=ppt/theme/theme1.xml><?xml version="1.0" encoding="utf-8"?>
-<a:theme xmlns:a="http://schemas.openxmlformats.org/drawingml/2006/main" xmlns:r="http://schemas.openxmlformats.org/officeDocument/2006/relationships" name="Simple Light">
+<a:theme xmlns:a="http://schemas.openxmlformats.org/drawingml/2006/main" xmlns:r="http://schemas.openxmlformats.org/officeDocument/2006/relationships">
   <a:themeElements>
-    <a:clrScheme name="Simple Light">
+    <a:clrScheme name="Default">
       <a:dk1>
         <a:srgbClr val="000000"/>
       </a:dk1>
@@ -38674,34 +38643,34 @@
         <a:srgbClr val="FFFFFF"/>
       </a:lt1>
       <a:dk2>
-        <a:srgbClr val="595959"/>
+        <a:srgbClr val="158158"/>
       </a:dk2>
       <a:lt2>
-        <a:srgbClr val="EEEEEE"/>
+        <a:srgbClr val="F3F3F3"/>
       </a:lt2>
       <a:accent1>
-        <a:srgbClr val="4285F4"/>
+        <a:srgbClr val="058DC7"/>
       </a:accent1>
       <a:accent2>
-        <a:srgbClr val="212121"/>
+        <a:srgbClr val="50B432"/>
       </a:accent2>
       <a:accent3>
-        <a:srgbClr val="78909C"/>
+        <a:srgbClr val="ED561B"/>
       </a:accent3>
       <a:accent4>
-        <a:srgbClr val="FFAB40"/>
+        <a:srgbClr val="EDEF00"/>
       </a:accent4>
       <a:accent5>
-        <a:srgbClr val="0097A7"/>
+        <a:srgbClr val="24CBE5"/>
       </a:accent5>
       <a:accent6>
-        <a:srgbClr val="EEFF41"/>
+        <a:srgbClr val="64E572"/>
       </a:accent6>
       <a:hlink>
-        <a:srgbClr val="0097A7"/>
+        <a:srgbClr val="2200CC"/>
       </a:hlink>
       <a:folHlink>
-        <a:srgbClr val="0097A7"/>
+        <a:srgbClr val="551A8B"/>
       </a:folHlink>
     </a:clrScheme>
     <a:fontScheme name="Office">
@@ -39222,9 +39191,9 @@
 </file>
 
 <file path=ppt/theme/theme3.xml><?xml version="1.0" encoding="utf-8"?>
-<a:theme xmlns:a="http://schemas.openxmlformats.org/drawingml/2006/main" xmlns:r="http://schemas.openxmlformats.org/officeDocument/2006/relationships">
+<a:theme xmlns:a="http://schemas.openxmlformats.org/drawingml/2006/main" xmlns:r="http://schemas.openxmlformats.org/officeDocument/2006/relationships" name="Simple Light">
   <a:themeElements>
-    <a:clrScheme name="Default">
+    <a:clrScheme name="Simple Light">
       <a:dk1>
         <a:srgbClr val="000000"/>
       </a:dk1>
@@ -39232,34 +39201,34 @@
         <a:srgbClr val="FFFFFF"/>
       </a:lt1>
       <a:dk2>
-        <a:srgbClr val="158158"/>
+        <a:srgbClr val="595959"/>
       </a:dk2>
       <a:lt2>
-        <a:srgbClr val="F3F3F3"/>
+        <a:srgbClr val="EEEEEE"/>
       </a:lt2>
       <a:accent1>
-        <a:srgbClr val="058DC7"/>
+        <a:srgbClr val="4285F4"/>
       </a:accent1>
       <a:accent2>
-        <a:srgbClr val="50B432"/>
+        <a:srgbClr val="212121"/>
       </a:accent2>
       <a:accent3>
-        <a:srgbClr val="ED561B"/>
+        <a:srgbClr val="78909C"/>
       </a:accent3>
       <a:accent4>
-        <a:srgbClr val="EDEF00"/>
+        <a:srgbClr val="FFAB40"/>
       </a:accent4>
       <a:accent5>
-        <a:srgbClr val="24CBE5"/>
+        <a:srgbClr val="0097A7"/>
       </a:accent5>
       <a:accent6>
-        <a:srgbClr val="64E572"/>
+        <a:srgbClr val="EEFF41"/>
       </a:accent6>
       <a:hlink>
-        <a:srgbClr val="2200CC"/>
+        <a:srgbClr val="0097A7"/>
       </a:hlink>
       <a:folHlink>
-        <a:srgbClr val="551A8B"/>
+        <a:srgbClr val="0097A7"/>
       </a:folHlink>
     </a:clrScheme>
     <a:fontScheme name="Office">
